--- a/O365-Azure-PowerShell/O365-Azure-PowerShell.pptx
+++ b/O365-Azure-PowerShell/O365-Azure-PowerShell.pptx
@@ -207,7 +207,7 @@
           <a:p>
             <a:fld id="{22076D1C-3797-45F5-8C48-00881456074A}" type="datetimeFigureOut">
               <a:rPr lang="en-US" smtClean="0"/>
-              <a:t>9/8/2019</a:t>
+              <a:t>9/23/19</a:t>
             </a:fld>
             <a:endParaRPr lang="en-US"/>
           </a:p>
@@ -1868,7 +1868,7 @@
           <a:p>
             <a:fld id="{A0DE1DD5-C164-468E-BEF7-A3C26FBB6A5A}" type="datetimeFigureOut">
               <a:rPr lang="en-US" smtClean="0"/>
-              <a:t>9/8/2019</a:t>
+              <a:t>9/23/19</a:t>
             </a:fld>
             <a:endParaRPr lang="en-US"/>
           </a:p>
@@ -2066,7 +2066,7 @@
           <a:p>
             <a:fld id="{A0DE1DD5-C164-468E-BEF7-A3C26FBB6A5A}" type="datetimeFigureOut">
               <a:rPr lang="en-US" smtClean="0"/>
-              <a:t>9/8/2019</a:t>
+              <a:t>9/23/19</a:t>
             </a:fld>
             <a:endParaRPr lang="en-US"/>
           </a:p>
@@ -2274,7 +2274,7 @@
           <a:p>
             <a:fld id="{A0DE1DD5-C164-468E-BEF7-A3C26FBB6A5A}" type="datetimeFigureOut">
               <a:rPr lang="en-US" smtClean="0"/>
-              <a:t>9/8/2019</a:t>
+              <a:t>9/23/19</a:t>
             </a:fld>
             <a:endParaRPr lang="en-US"/>
           </a:p>
@@ -2472,7 +2472,7 @@
           <a:p>
             <a:fld id="{A0DE1DD5-C164-468E-BEF7-A3C26FBB6A5A}" type="datetimeFigureOut">
               <a:rPr lang="en-US" smtClean="0"/>
-              <a:t>9/8/2019</a:t>
+              <a:t>9/23/19</a:t>
             </a:fld>
             <a:endParaRPr lang="en-US"/>
           </a:p>
@@ -2747,7 +2747,7 @@
           <a:p>
             <a:fld id="{A0DE1DD5-C164-468E-BEF7-A3C26FBB6A5A}" type="datetimeFigureOut">
               <a:rPr lang="en-US" smtClean="0"/>
-              <a:t>9/8/2019</a:t>
+              <a:t>9/23/19</a:t>
             </a:fld>
             <a:endParaRPr lang="en-US"/>
           </a:p>
@@ -3012,7 +3012,7 @@
           <a:p>
             <a:fld id="{A0DE1DD5-C164-468E-BEF7-A3C26FBB6A5A}" type="datetimeFigureOut">
               <a:rPr lang="en-US" smtClean="0"/>
-              <a:t>9/8/2019</a:t>
+              <a:t>9/23/19</a:t>
             </a:fld>
             <a:endParaRPr lang="en-US"/>
           </a:p>
@@ -3424,7 +3424,7 @@
           <a:p>
             <a:fld id="{A0DE1DD5-C164-468E-BEF7-A3C26FBB6A5A}" type="datetimeFigureOut">
               <a:rPr lang="en-US" smtClean="0"/>
-              <a:t>9/8/2019</a:t>
+              <a:t>9/23/19</a:t>
             </a:fld>
             <a:endParaRPr lang="en-US"/>
           </a:p>
@@ -3565,7 +3565,7 @@
           <a:p>
             <a:fld id="{A0DE1DD5-C164-468E-BEF7-A3C26FBB6A5A}" type="datetimeFigureOut">
               <a:rPr lang="en-US" smtClean="0"/>
-              <a:t>9/8/2019</a:t>
+              <a:t>9/23/19</a:t>
             </a:fld>
             <a:endParaRPr lang="en-US"/>
           </a:p>
@@ -3678,7 +3678,7 @@
           <a:p>
             <a:fld id="{A0DE1DD5-C164-468E-BEF7-A3C26FBB6A5A}" type="datetimeFigureOut">
               <a:rPr lang="en-US" smtClean="0"/>
-              <a:t>9/8/2019</a:t>
+              <a:t>9/23/19</a:t>
             </a:fld>
             <a:endParaRPr lang="en-US"/>
           </a:p>
@@ -3989,7 +3989,7 @@
           <a:p>
             <a:fld id="{A0DE1DD5-C164-468E-BEF7-A3C26FBB6A5A}" type="datetimeFigureOut">
               <a:rPr lang="en-US" smtClean="0"/>
-              <a:t>9/8/2019</a:t>
+              <a:t>9/23/19</a:t>
             </a:fld>
             <a:endParaRPr lang="en-US"/>
           </a:p>
@@ -4277,7 +4277,7 @@
           <a:p>
             <a:fld id="{A0DE1DD5-C164-468E-BEF7-A3C26FBB6A5A}" type="datetimeFigureOut">
               <a:rPr lang="en-US" smtClean="0"/>
-              <a:t>9/8/2019</a:t>
+              <a:t>9/23/19</a:t>
             </a:fld>
             <a:endParaRPr lang="en-US"/>
           </a:p>
@@ -4518,7 +4518,7 @@
           <a:p>
             <a:fld id="{A0DE1DD5-C164-468E-BEF7-A3C26FBB6A5A}" type="datetimeFigureOut">
               <a:rPr lang="en-US" smtClean="0"/>
-              <a:t>9/8/2019</a:t>
+              <a:t>9/23/19</a:t>
             </a:fld>
             <a:endParaRPr lang="en-US"/>
           </a:p>
@@ -5007,22 +5007,7 @@
             <a:br>
               <a:rPr lang="en-US" dirty="0"/>
             </a:br>
-            <a:r>
-              <a:rPr lang="en-US" dirty="0" err="1"/>
-              <a:t>Collabonists</a:t>
-            </a:r>
-            <a:r>
-              <a:rPr lang="en-US" dirty="0"/>
-              <a:t> UG (</a:t>
-            </a:r>
-            <a:r>
-              <a:rPr lang="en-US" dirty="0" err="1"/>
-              <a:t>haeaftungsbeschraenkt</a:t>
-            </a:r>
-            <a:r>
-              <a:rPr lang="en-US" dirty="0"/>
-              <a:t>)</a:t>
-            </a:r>
+            <a:endParaRPr lang="en-US" dirty="0"/>
           </a:p>
           <a:p>
             <a:r>
@@ -5473,17 +5458,18 @@
           </a:xfrm>
         </p:spPr>
         <p:txBody>
-          <a:bodyPr/>
-          <a:lstStyle/>
-          <a:p>
-            <a:pPr marL="0" indent="0">
+          <a:bodyPr>
+            <a:normAutofit/>
+          </a:bodyPr>
+          <a:lstStyle/>
+          <a:p>
+            <a:pPr marL="0" indent="0" algn="ctr">
               <a:buNone/>
             </a:pPr>
             <a:r>
-              <a:rPr lang="en-US" sz="2800" dirty="0"/>
+              <a:rPr lang="en-US" sz="9600" dirty="0"/>
               <a:t>DEMO TIME!</a:t>
             </a:r>
-            <a:endParaRPr lang="en-US" dirty="0"/>
           </a:p>
         </p:txBody>
       </p:sp>
@@ -6202,57 +6188,6 @@
           </a:p>
         </p:txBody>
       </p:sp>
-      <p:sp>
-        <p:nvSpPr>
-          <p:cNvPr id="17" name="Rechteck 4">
-            <a:extLst>
-              <a:ext uri="{FF2B5EF4-FFF2-40B4-BE49-F238E27FC236}">
-                <a16:creationId xmlns:a16="http://schemas.microsoft.com/office/drawing/2014/main" id="{0EC99EBA-D6AC-489F-BF59-7DF7E4DECAF9}"/>
-              </a:ext>
-            </a:extLst>
-          </p:cNvPr>
-          <p:cNvSpPr/>
-          <p:nvPr/>
-        </p:nvSpPr>
-        <p:spPr>
-          <a:xfrm>
-            <a:off x="729018" y="3802271"/>
-            <a:ext cx="5856080" cy="477720"/>
-          </a:xfrm>
-          <a:prstGeom prst="rect">
-            <a:avLst/>
-          </a:prstGeom>
-          <a:solidFill>
-            <a:schemeClr val="tx1"/>
-          </a:solidFill>
-        </p:spPr>
-        <p:style>
-          <a:lnRef idx="2">
-            <a:schemeClr val="accent1">
-              <a:shade val="50000"/>
-            </a:schemeClr>
-          </a:lnRef>
-          <a:fillRef idx="1">
-            <a:schemeClr val="accent1"/>
-          </a:fillRef>
-          <a:effectRef idx="0">
-            <a:schemeClr val="accent1"/>
-          </a:effectRef>
-          <a:fontRef idx="minor">
-            <a:schemeClr val="lt1"/>
-          </a:fontRef>
-        </p:style>
-        <p:txBody>
-          <a:bodyPr rtlCol="0" anchor="ctr"/>
-          <a:lstStyle/>
-          <a:p>
-            <a:r>
-              <a:rPr lang="de-DE" b="1" dirty="0"/>
-              <a:t>Danny Davis</a:t>
-            </a:r>
-          </a:p>
-        </p:txBody>
-      </p:sp>
     </p:spTree>
     <p:extLst>
       <p:ext uri="{BB962C8B-B14F-4D97-AF65-F5344CB8AC3E}">
@@ -6326,12 +6261,6 @@
             <a:r>
               <a:rPr lang="en-US" dirty="0"/>
               <a:t>Magic happens with PowerShell!</a:t>
-            </a:r>
-          </a:p>
-          <a:p>
-            <a:r>
-              <a:rPr lang="en-US" dirty="0"/>
-              <a:t>Resources</a:t>
             </a:r>
           </a:p>
           <a:p>
@@ -7235,12 +7164,8 @@
           </a:p>
           <a:p>
             <a:r>
-              <a:rPr lang="en-US"/>
-              <a:t>Data stores </a:t>
-            </a:r>
-            <a:r>
               <a:rPr lang="en-US" dirty="0"/>
-              <a:t>are made available by providers</a:t>
+              <a:t>Data store are made available by providers</a:t>
             </a:r>
           </a:p>
           <a:p>
@@ -7452,7 +7377,7 @@
 </file>
 
 <file path=ppt/slides/slide7.xml><?xml version="1.0" encoding="utf-8"?>
-<p:sld xmlns:a="http://schemas.openxmlformats.org/drawingml/2006/main" xmlns:r="http://schemas.openxmlformats.org/officeDocument/2006/relationships" xmlns:p="http://schemas.openxmlformats.org/presentationml/2006/main">
+<p:sld xmlns:a="http://schemas.openxmlformats.org/drawingml/2006/main" xmlns:r="http://schemas.openxmlformats.org/officeDocument/2006/relationships" xmlns:p="http://schemas.openxmlformats.org/presentationml/2006/main" show="0">
   <p:cSld>
     <p:spTree>
       <p:nvGrpSpPr>
